--- a/Later/Spring/4_Dependency_Injection/10/Constructor Injection with Collection having Dependent Object.pptx
+++ b/Later/Spring/4_Dependency_Injection/10/Constructor Injection with Collection having Dependent Object.pptx
@@ -4450,6 +4450,131 @@
           </a:p>
         </p:txBody>
       </p:sp>
+      <p:pic>
+        <p:nvPicPr>
+          <p:cNvPr id="1026" name="Picture 2"/>
+          <p:cNvPicPr>
+            <a:picLocks noChangeAspect="1" noChangeArrowheads="1"/>
+          </p:cNvPicPr>
+          <p:nvPr/>
+        </p:nvPicPr>
+        <p:blipFill>
+          <a:blip r:embed="rId3">
+            <a:extLst>
+              <a:ext uri="{28A0092B-C50C-407E-A947-70E740481C1C}">
+                <a14:useLocalDpi xmlns:a14="http://schemas.microsoft.com/office/drawing/2010/main" val="0"/>
+              </a:ext>
+            </a:extLst>
+          </a:blip>
+          <a:srcRect/>
+          <a:stretch>
+            <a:fillRect/>
+          </a:stretch>
+        </p:blipFill>
+        <p:spPr bwMode="auto">
+          <a:xfrm>
+            <a:off x="184150" y="838200"/>
+            <a:ext cx="4939915" cy="3709988"/>
+          </a:xfrm>
+          <a:prstGeom prst="rect">
+            <a:avLst/>
+          </a:prstGeom>
+          <a:ln/>
+        </p:spPr>
+        <p:style>
+          <a:lnRef idx="1">
+            <a:schemeClr val="accent5"/>
+          </a:lnRef>
+          <a:fillRef idx="2">
+            <a:schemeClr val="accent5"/>
+          </a:fillRef>
+          <a:effectRef idx="1">
+            <a:schemeClr val="accent5"/>
+          </a:effectRef>
+          <a:fontRef idx="minor">
+            <a:schemeClr val="dk1"/>
+          </a:fontRef>
+        </p:style>
+      </p:pic>
+      <p:pic>
+        <p:nvPicPr>
+          <p:cNvPr id="1027" name="Picture 3"/>
+          <p:cNvPicPr>
+            <a:picLocks noChangeAspect="1" noChangeArrowheads="1"/>
+          </p:cNvPicPr>
+          <p:nvPr/>
+        </p:nvPicPr>
+        <p:blipFill>
+          <a:blip r:embed="rId4">
+            <a:extLst>
+              <a:ext uri="{28A0092B-C50C-407E-A947-70E740481C1C}">
+                <a14:useLocalDpi xmlns:a14="http://schemas.microsoft.com/office/drawing/2010/main" val="0"/>
+              </a:ext>
+            </a:extLst>
+          </a:blip>
+          <a:srcRect/>
+          <a:stretch>
+            <a:fillRect/>
+          </a:stretch>
+        </p:blipFill>
+        <p:spPr bwMode="auto">
+          <a:xfrm>
+            <a:off x="5486400" y="819150"/>
+            <a:ext cx="3368819" cy="2390775"/>
+          </a:xfrm>
+          <a:prstGeom prst="rect">
+            <a:avLst/>
+          </a:prstGeom>
+          <a:ln/>
+        </p:spPr>
+        <p:style>
+          <a:lnRef idx="1">
+            <a:schemeClr val="accent5"/>
+          </a:lnRef>
+          <a:fillRef idx="2">
+            <a:schemeClr val="accent5"/>
+          </a:fillRef>
+          <a:effectRef idx="1">
+            <a:schemeClr val="accent5"/>
+          </a:effectRef>
+          <a:fontRef idx="minor">
+            <a:schemeClr val="dk1"/>
+          </a:fontRef>
+        </p:style>
+      </p:pic>
+      <p:cxnSp>
+        <p:nvCxnSpPr>
+          <p:cNvPr id="6" name="Straight Arrow Connector 5"/>
+          <p:cNvCxnSpPr/>
+          <p:nvPr/>
+        </p:nvCxnSpPr>
+        <p:spPr>
+          <a:xfrm flipV="1">
+            <a:off x="1752600" y="1752600"/>
+            <a:ext cx="3733800" cy="457200"/>
+          </a:xfrm>
+          <a:prstGeom prst="straightConnector1">
+            <a:avLst/>
+          </a:prstGeom>
+          <a:ln>
+            <a:tailEnd type="arrow"/>
+          </a:ln>
+        </p:spPr>
+        <p:style>
+          <a:lnRef idx="1">
+            <a:schemeClr val="accent2"/>
+          </a:lnRef>
+          <a:fillRef idx="0">
+            <a:schemeClr val="accent2"/>
+          </a:fillRef>
+          <a:effectRef idx="0">
+            <a:schemeClr val="accent2"/>
+          </a:effectRef>
+          <a:fontRef idx="minor">
+            <a:schemeClr val="tx1"/>
+          </a:fontRef>
+        </p:style>
+      </p:cxnSp>
     </p:spTree>
     <p:extLst>
       <p:ext uri="{BB962C8B-B14F-4D97-AF65-F5344CB8AC3E}">
@@ -4495,6 +4620,52 @@
           <a:chExt cx="0" cy="0"/>
         </a:xfrm>
       </p:grpSpPr>
+      <p:pic>
+        <p:nvPicPr>
+          <p:cNvPr id="2050" name="Picture 2"/>
+          <p:cNvPicPr>
+            <a:picLocks noChangeAspect="1" noChangeArrowheads="1"/>
+          </p:cNvPicPr>
+          <p:nvPr/>
+        </p:nvPicPr>
+        <p:blipFill>
+          <a:blip r:embed="rId3">
+            <a:extLst>
+              <a:ext uri="{28A0092B-C50C-407E-A947-70E740481C1C}">
+                <a14:useLocalDpi xmlns:a14="http://schemas.microsoft.com/office/drawing/2010/main" val="0"/>
+              </a:ext>
+            </a:extLst>
+          </a:blip>
+          <a:srcRect/>
+          <a:stretch>
+            <a:fillRect/>
+          </a:stretch>
+        </p:blipFill>
+        <p:spPr bwMode="auto">
+          <a:xfrm>
+            <a:off x="228599" y="2080491"/>
+            <a:ext cx="4162425" cy="2876155"/>
+          </a:xfrm>
+          <a:prstGeom prst="rect">
+            <a:avLst/>
+          </a:prstGeom>
+          <a:ln/>
+        </p:spPr>
+        <p:style>
+          <a:lnRef idx="1">
+            <a:schemeClr val="accent4"/>
+          </a:lnRef>
+          <a:fillRef idx="2">
+            <a:schemeClr val="accent4"/>
+          </a:fillRef>
+          <a:effectRef idx="1">
+            <a:schemeClr val="accent4"/>
+          </a:effectRef>
+          <a:fontRef idx="minor">
+            <a:schemeClr val="dk1"/>
+          </a:fontRef>
+        </p:style>
+      </p:pic>
       <p:sp>
         <p:nvSpPr>
           <p:cNvPr id="3" name="AutoShape 2" descr="data:image/png;base64,iVBORw0KGgoAAAANSUhEUgAAANEAAADxCAMAAABiSKLrAAAAbFBMVEWIiIj////6+vr29vb19fX4+Pj5+fnu7u77+/v39/f9/f3z8/P+/v709PT8/Pyqqqrt7e3v7+/w8PDx8fHy8vK+vr7Q0NCjo6OBgYHY2Njk5OTHx8eNjY3c3NzGxsbn5+eWlpa1tbWcnJx6enob4+f+AAAIqklEQVR4nO3dCZuaOhQGYEZAh0FkX2W1//8/lkVMICeIkRmOPHz22lYg5OVEZLFzJRNrnC+xSGt3nJvQekMUYktnEiM1ouDrjCs/pukLkzoRtpjmNRcloRUFoiS8oo5UvLwsYpEgCaXoHLYiMRJqkRAJt0iEhFwkQMIqCgJRElpRLErCL3r1oxavSJSEWCRIQikyOtGQNPd8CaXICc04FiXhFomQkIsESChFbmhmwiT0opf3eBivMzSjLuORnh49oKxRKxIloayR24oESShFRScSI6EUJaGZCJNwiwhp/skFcpFAlbCLXiehF71MQisSJiEVVYkwqRP9oEpXI1HSXXRuWjo/2jz3f3v8YfjS7871lbU1EiT1IjrAKrvX/2iurzisijkk8OQC5ah7iERIyEUCJOyi10noRU9J490DUpFPRAApniJhFVnzSaOdOF6RKAmlKGhFgiTMohdIyYeIhEh30aV99E9NLo8VXLqn++Q/mIuIREid6DJsv32s91Ityi1hEtJRl5+ESX2NMKUR2ZYoCbNIjIRV5FiiJIyicx7mriVEKnCKfvxadBIloRQ1NTqJkcICpcgPr7rjOPYJZnFNbZVwikw/YHNlXmDi4xW9kU70jSnNqOu/xL4R0aWg3yNMgNHWp0I66i7Dy5PsdXFuApw1Eg8RndfuykLZa4Q/512EPrsIfzYtOmwje43wh4h+1u7KQvm5bk601wh9NlijXYQ+uwh/HqLrZkTXh+h4PDQP8lQ/PvAlSrT2xl0oRHQ5biOXXYQ+uwh/dhH+7CL82bRI3Ua2XKPvtTfuQvneReizi/BnF+HPLsKfTYu0bYQWsd5PfImIDmtv3IVy2EXos4vwZxfhzy7CH0okbyO7CH+2/D46rr1xF8pxF6HPLsKfXYQ/uwh/KJGyjWxatPZwWShEpK69cReKuovQZxfhzy7Cn12EP0SkGduItmHRzFF3P3r63ZHzTl4YdYqsHg/e/YdF2e7xcFRVrba109gMFp2evGhmjzpFVZLcvJVpl7K8hWaVB1liNVNdJh7VZ4Wd7P4aaa5I866lFEnDRHWksC5eVgtH8VWy8PHGTE5V/rr+QqSocTnm9CpTM+SMmRhVVJcPKbPYv5VFcs7x1F3P1eeikl1sXZHGB0lRLH+eSI75ICk6KZ8nctkOkaQN+cNEWjBRIimU0YpkHY4hmxOgqNIMHRaRJo6giLO+dyM/F1nsvpfqWVAv92Eihe0u3bNE+TgR/FkURfWhUHPMIBsguh6N0yKNs7o/EGkVIEpj+XA8fltJ0GzqDxMdQwBka+2gqQ/p9FYkpaNIiEXuje3OddQfg738rFCTcYmME9sdKXntbY1MBOy802JrotJ6bSUiInLia7y2+aZEbXuyxXbn5vXXGQazDs+6xUWGoql2kXU/DDrOssLWNFmZ65oQufeflwvU6PHDdO8ki/0xu/Rb7RVRvZNJgupW7y3bU+T6JLnej97MPLNUhbPIbJEV9U2y/eknHds5lfhfNMo/sb23oRX5LQXWGUmpGdtz3nxEpOiep7eP+5MFUEZJj+0SCnsCVX/CkrZUQFRvQG+8RkNOzHTi5LL0rW6x8YL0bwolGtdolqir0fQxAyQCNrdsVczFmdFS6fXp+4kSecPMEqntrAYkkklTYI288frkYKI+j+XCYtzRUdCIdMV/7mkWTDNmY6AU6bo5C9QknqwSEpFuzAdJUjZFQiJSoFMWfhIDu0ievDjD5ubquEV6AjVet3krU3B/Hvn8cYdDBJxUSlKVaJqmWvENMiXcImEQKcCYi26W1nZaN9SAXXFkcos0JZpxXLeICDpLDnVSBDkDusAtEhGN72p5J78LcMbn9+nudemgiDSlASLF66cC20NKbZ3qCnAnIfKp9gcxiIjVPj8/8mbVCBY9VsNes42C4YgBrgyUJ06NpkRdCuD8yB418pYIOkl2hyuQ2SOkKOMMO4M76vrBB4sG84Cjjrr5Cooeo4TdLwyGbLsC4IKgD93dHY66lUQye7gQxfqgfdcDhr7JeSOtLoL2dOn4KEdX2E+s0hp24j3RaUERsPnLLBmlYPceaYJVBB0Bja85p8ANn3rXgFX02kEqaSGAeywoGs7zjghYdqYoxyp68USCtMDZfX+wqHomav53fkBcWDSYx4NEBpkuAyLj3oSwSDIVsMM6ETVAp/3V/KG2tP/xRPRccI1IW7Comyr8PupE9052bbW/0yLHpX/1T1wRmQuskULa4oqcd/Z1pjLu6li0zqgDP49m5fmo+2NR3z50zFBYczLsBB6Rxx6y8Q5wRoE7LCaylhM5BnTs7cGdmZP1RZzdygeLXOjW9fg94jYXUnjjbBHRcJ5nImVKBA67fFgkL/HzIE4KRW7vM0/i/kQ0WSPHg75KldHdqc+h7pfZ0jKs/GuDM3hvNSLizSEqoroE1Yia7ELf00kIWS/o09z+EmLA6bC3hMh9TwRskDq51x47e4Zzhc73Qt64wyByPOjmUVT6cZZkcQV+0zxNflX05qgD36tSe3MilcCr1FLEe9sPRDYYjmgwD1wjMl1hm4h0ugF43PETVd6wB3RbKES2Pu+2cr9waHFBWESO+8JtyxrkckFYRDa8dxAAoRHNH3hRNTHkUIlsY9Z3TqR6LzcFokScSsKi4TzPRMYske0VT78XJJkJZ8uTzojV6FdEtmNkE9/diqLUzJTpAtmzalQyF6FvI5ETA9+OpraQwTYhwRvQMYqryX6sNn8vq8AynnqoGuXuCY7N/vMR3R7N47DzePR04J+gjJt4rM7V3SzwzbC8FzYtb2Z1jQtDd3nLDOLmD1E9v90++qfT4Lfh5N+cq/508shXb5st6Ll1cWa2RYu2EUo0p6QfkF2EP7sIf3YR/hCRs3ZXFoqzYdEGR92su1D4Q486yzq1D/L0iS85W67R2l1ZKLsIfzYs4l05+bg8rpxU/lZS3UXbyvZE/wFXu+LXNTDaDQAAAABJRU5ErkJggg=="/>
@@ -4625,8 +4796,8 @@
           </a:xfrm>
           <a:prstGeom prst="wedgeRoundRectCallout">
             <a:avLst>
-              <a:gd name="adj1" fmla="val -38963"/>
-              <a:gd name="adj2" fmla="val 78268"/>
+              <a:gd name="adj1" fmla="val -38070"/>
+              <a:gd name="adj2" fmla="val 70832"/>
               <a:gd name="adj3" fmla="val 16667"/>
             </a:avLst>
           </a:prstGeom>
@@ -4676,48 +4847,16 @@
               <a:buChar char="ü"/>
             </a:pPr>
             <a:r>
-              <a:rPr lang="en-US" sz="1200" dirty="0" smtClean="0"/>
-              <a:t>The </a:t>
-            </a:r>
-            <a:r>
               <a:rPr lang="en-US" sz="1200" dirty="0"/>
-              <a:t>constructor-arg element invokes the </a:t>
-            </a:r>
-            <a:r>
-              <a:rPr lang="en-US" sz="1200" dirty="0" smtClean="0"/>
-              <a:t>constructor.The </a:t>
+              <a:t>The constructor-</a:t>
             </a:r>
             <a:r>
               <a:rPr lang="en-US" sz="1200" dirty="0"/>
-              <a:t>type </a:t>
-            </a:r>
-            <a:r>
-              <a:rPr lang="en-US" sz="1200" dirty="0" smtClean="0"/>
-              <a:t>attributes </a:t>
+              <a:t>arg</a:t>
             </a:r>
             <a:r>
               <a:rPr lang="en-US" sz="1200" dirty="0"/>
-              <a:t>specifies that </a:t>
-            </a:r>
-            <a:r>
-              <a:rPr lang="en-US" sz="1200" dirty="0" smtClean="0">
-                <a:solidFill>
-                  <a:srgbClr val="FF0000"/>
-                </a:solidFill>
-              </a:rPr>
-              <a:t>String, Set </a:t>
-            </a:r>
-            <a:r>
-              <a:rPr lang="en-US" sz="1200" dirty="0" smtClean="0"/>
-              <a:t>parameter constructor </a:t>
-            </a:r>
-            <a:r>
-              <a:rPr lang="en-US" sz="1200" dirty="0"/>
-              <a:t>will be </a:t>
-            </a:r>
-            <a:r>
-              <a:rPr lang="en-US" sz="1200" dirty="0" smtClean="0"/>
-              <a:t>invoked. In this example </a:t>
+              <a:t> element invokes the constructor.The type attributes specifies that </a:t>
             </a:r>
             <a:r>
               <a:rPr lang="en-US" sz="1200" dirty="0">
@@ -4725,10 +4864,62 @@
                   <a:srgbClr val="FF0000"/>
                 </a:solidFill>
               </a:rPr>
-              <a:t>FruitShop(String shopName, Set&lt;String&gt; setOfAvailableFruits</a:t>
-            </a:r>
-            <a:r>
-              <a:rPr lang="en-US" sz="1200" dirty="0" smtClean="0">
+              <a:t>String, List</a:t>
+            </a:r>
+            <a:r>
+              <a:rPr lang="en-US" sz="1200" dirty="0">
+                <a:solidFill>
+                  <a:srgbClr val="C00000"/>
+                </a:solidFill>
+              </a:rPr>
+              <a:t> </a:t>
+            </a:r>
+            <a:r>
+              <a:rPr lang="en-US" sz="1200" dirty="0"/>
+              <a:t>parameter constructor will be invoked. In this example </a:t>
+            </a:r>
+            <a:r>
+              <a:rPr lang="en-US" sz="1200" dirty="0">
+                <a:solidFill>
+                  <a:srgbClr val="FF0000"/>
+                </a:solidFill>
+              </a:rPr>
+              <a:t>FruitShop</a:t>
+            </a:r>
+            <a:r>
+              <a:rPr lang="en-US" sz="1200" dirty="0">
+                <a:solidFill>
+                  <a:srgbClr val="FF0000"/>
+                </a:solidFill>
+              </a:rPr>
+              <a:t>(String </a:t>
+            </a:r>
+            <a:r>
+              <a:rPr lang="en-US" sz="1200" dirty="0">
+                <a:solidFill>
+                  <a:srgbClr val="FF0000"/>
+                </a:solidFill>
+              </a:rPr>
+              <a:t>shopName</a:t>
+            </a:r>
+            <a:r>
+              <a:rPr lang="en-US" sz="1200" dirty="0">
+                <a:solidFill>
+                  <a:srgbClr val="FF0000"/>
+                </a:solidFill>
+              </a:rPr>
+              <a:t>, List&lt;Fruit&gt; </a:t>
+            </a:r>
+            <a:r>
+              <a:rPr lang="en-US" sz="1200" dirty="0">
+                <a:solidFill>
+                  <a:srgbClr val="FF0000"/>
+                </a:solidFill>
+              </a:rPr>
+              <a:t>listOfAvailableFruits</a:t>
+            </a:r>
+            <a:r>
+              <a:rPr lang="en-US" sz="1200" dirty="0">
                 <a:solidFill>
                   <a:srgbClr val="FF0000"/>
                 </a:solidFill>
@@ -4737,10 +4928,14 @@
             </a:r>
             <a:r>
               <a:rPr lang="en-US" sz="1200" dirty="0" smtClean="0"/>
-              <a:t>constructor will be invoked</a:t>
-            </a:r>
-            <a:r>
-              <a:rPr lang="en-US" sz="1200" b="1" dirty="0" smtClean="0"/>
+              <a:t>constructor </a:t>
+            </a:r>
+            <a:r>
+              <a:rPr lang="en-US" sz="1200" dirty="0"/>
+              <a:t>will be invoked</a:t>
+            </a:r>
+            <a:r>
+              <a:rPr lang="en-US" sz="1200" b="1" dirty="0"/>
               <a:t>.</a:t>
             </a:r>
             <a:endParaRPr lang="en-US" sz="1200" dirty="0"/>
@@ -4755,13 +4950,13 @@
         </p:nvSpPr>
         <p:spPr>
           <a:xfrm>
-            <a:off x="5334000" y="3358281"/>
+            <a:off x="5333999" y="3733800"/>
             <a:ext cx="3076575" cy="579585"/>
           </a:xfrm>
           <a:prstGeom prst="wedgeRoundRectCallout">
             <a:avLst>
-              <a:gd name="adj1" fmla="val -172919"/>
-              <a:gd name="adj2" fmla="val -11877"/>
+              <a:gd name="adj1" fmla="val -175396"/>
+              <a:gd name="adj2" fmla="val 2913"/>
               <a:gd name="adj3" fmla="val 16667"/>
             </a:avLst>
           </a:prstGeom>
@@ -4794,27 +4989,35 @@
               <a:t>The </a:t>
             </a:r>
             <a:r>
-              <a:rPr lang="en-US" sz="1200" dirty="0" smtClean="0">
+              <a:rPr lang="en-US" sz="1200" dirty="0">
                 <a:solidFill>
                   <a:srgbClr val="FF0000"/>
                 </a:solidFill>
               </a:rPr>
-              <a:t>set </a:t>
+              <a:t>list</a:t>
             </a:r>
             <a:r>
               <a:rPr lang="en-US" sz="1200" dirty="0"/>
-              <a:t>element of constructor-arg is used here to define the </a:t>
-            </a:r>
-            <a:r>
-              <a:rPr lang="en-US" sz="1200" dirty="0" smtClean="0">
+              <a:t> element of constructor-</a:t>
+            </a:r>
+            <a:r>
+              <a:rPr lang="en-US" sz="1200" dirty="0"/>
+              <a:t>arg</a:t>
+            </a:r>
+            <a:r>
+              <a:rPr lang="en-US" sz="1200" dirty="0"/>
+              <a:t> is used here to define the </a:t>
+            </a:r>
+            <a:r>
+              <a:rPr lang="en-US" sz="1200" dirty="0">
                 <a:solidFill>
                   <a:srgbClr val="FF0000"/>
                 </a:solidFill>
               </a:rPr>
-              <a:t>set</a:t>
-            </a:r>
-            <a:r>
-              <a:rPr lang="en-US" sz="1200" dirty="0" smtClean="0"/>
+              <a:t>list</a:t>
+            </a:r>
+            <a:r>
+              <a:rPr lang="en-US" sz="1200" dirty="0"/>
               <a:t>.</a:t>
             </a:r>
             <a:endParaRPr lang="en-US" sz="1200" dirty="0"/>
@@ -4911,7 +5114,7 @@
       </p:grpSpPr>
       <p:pic>
         <p:nvPicPr>
-          <p:cNvPr id="24" name="Picture 3"/>
+          <p:cNvPr id="25" name="Picture 2"/>
           <p:cNvPicPr>
             <a:picLocks noChangeAspect="1" noChangeArrowheads="1"/>
           </p:cNvPicPr>
@@ -4932,54 +5135,8 @@
         </p:blipFill>
         <p:spPr bwMode="auto">
           <a:xfrm>
-            <a:off x="127000" y="3629085"/>
-            <a:ext cx="3363812" cy="1375230"/>
-          </a:xfrm>
-          <a:prstGeom prst="rect">
-            <a:avLst/>
-          </a:prstGeom>
-          <a:ln/>
-        </p:spPr>
-        <p:style>
-          <a:lnRef idx="1">
-            <a:schemeClr val="accent5"/>
-          </a:lnRef>
-          <a:fillRef idx="2">
-            <a:schemeClr val="accent5"/>
-          </a:fillRef>
-          <a:effectRef idx="1">
-            <a:schemeClr val="accent5"/>
-          </a:effectRef>
-          <a:fontRef idx="minor">
-            <a:schemeClr val="dk1"/>
-          </a:fontRef>
-        </p:style>
-      </p:pic>
-      <p:pic>
-        <p:nvPicPr>
-          <p:cNvPr id="20" name="Picture 2"/>
-          <p:cNvPicPr>
-            <a:picLocks noChangeAspect="1" noChangeArrowheads="1"/>
-          </p:cNvPicPr>
-          <p:nvPr/>
-        </p:nvPicPr>
-        <p:blipFill>
-          <a:blip r:embed="rId4">
-            <a:extLst>
-              <a:ext uri="{28A0092B-C50C-407E-A947-70E740481C1C}">
-                <a14:useLocalDpi xmlns:a14="http://schemas.microsoft.com/office/drawing/2010/main" val="0"/>
-              </a:ext>
-            </a:extLst>
-          </a:blip>
-          <a:srcRect/>
-          <a:stretch>
-            <a:fillRect/>
-          </a:stretch>
-        </p:blipFill>
-        <p:spPr bwMode="auto">
-          <a:xfrm>
-            <a:off x="5791200" y="381000"/>
-            <a:ext cx="3274289" cy="2686050"/>
+            <a:off x="16401" y="3191247"/>
+            <a:ext cx="3048001" cy="1740469"/>
           </a:xfrm>
           <a:prstGeom prst="rect">
             <a:avLst/>
@@ -5408,7 +5565,7 @@
         <p:spPr>
           <a:xfrm>
             <a:off x="3662262" y="3228975"/>
-            <a:ext cx="1290738" cy="461665"/>
+            <a:ext cx="1636987" cy="584775"/>
           </a:xfrm>
           <a:prstGeom prst="rect">
             <a:avLst/>
@@ -5436,17 +5593,22 @@
           <a:p>
             <a:r>
               <a:rPr lang="en-US" sz="800" dirty="0"/>
-              <a:t>shopName=Fruit </a:t>
-            </a:r>
+              <a:t>shopName</a:t>
+            </a:r>
+            <a:r>
+              <a:rPr lang="en-US" sz="800" dirty="0"/>
+              <a:t>=Fruit Mart, </a:t>
+            </a:r>
+            <a:endParaRPr lang="en-US" sz="800" dirty="0"/>
+          </a:p>
+          <a:p>
             <a:r>
               <a:rPr lang="en-US" sz="800" dirty="0" smtClean="0"/>
-              <a:t>Mart,</a:t>
-            </a:r>
-          </a:p>
-          <a:p>
+              <a:t>listOfAvailableFruits</a:t>
+            </a:r>
             <a:r>
               <a:rPr lang="en-US" sz="800" dirty="0" smtClean="0"/>
-              <a:t>setOfAvailableFruits=</a:t>
+              <a:t>=</a:t>
             </a:r>
           </a:p>
           <a:p>
@@ -5456,8 +5618,20 @@
             </a:r>
             <a:r>
               <a:rPr lang="en-US" sz="800" dirty="0"/>
-              <a:t>apple, pineapple, orange]</a:t>
-            </a:r>
+              <a:t>Fruit [name=Apple, color=Red], </a:t>
+            </a:r>
+            <a:endParaRPr lang="en-US" sz="800" dirty="0" smtClean="0"/>
+          </a:p>
+          <a:p>
+            <a:r>
+              <a:rPr lang="en-US" sz="800" dirty="0" smtClean="0"/>
+              <a:t>Fruit </a:t>
+            </a:r>
+            <a:r>
+              <a:rPr lang="en-US" sz="800" dirty="0"/>
+              <a:t>[name=Grapes, color=Violet]]</a:t>
+            </a:r>
+            <a:endParaRPr lang="en-US" sz="800" dirty="0"/>
           </a:p>
         </p:txBody>
       </p:sp>
@@ -5620,9 +5794,9 @@
           <p:nvPr/>
         </p:nvCxnSpPr>
         <p:spPr>
-          <a:xfrm flipH="1">
-            <a:off x="1683276" y="2867799"/>
-            <a:ext cx="1" cy="866001"/>
+          <a:xfrm>
+            <a:off x="1683277" y="2867799"/>
+            <a:ext cx="0" cy="323448"/>
           </a:xfrm>
           <a:prstGeom prst="straightConnector1">
             <a:avLst/>
@@ -5724,6 +5898,131 @@
           </a:p>
         </p:txBody>
       </p:sp>
+      <p:pic>
+        <p:nvPicPr>
+          <p:cNvPr id="26" name="Picture 2"/>
+          <p:cNvPicPr>
+            <a:picLocks noChangeAspect="1" noChangeArrowheads="1"/>
+          </p:cNvPicPr>
+          <p:nvPr/>
+        </p:nvPicPr>
+        <p:blipFill>
+          <a:blip r:embed="rId4">
+            <a:extLst>
+              <a:ext uri="{28A0092B-C50C-407E-A947-70E740481C1C}">
+                <a14:useLocalDpi xmlns:a14="http://schemas.microsoft.com/office/drawing/2010/main" val="0"/>
+              </a:ext>
+            </a:extLst>
+          </a:blip>
+          <a:srcRect/>
+          <a:stretch>
+            <a:fillRect/>
+          </a:stretch>
+        </p:blipFill>
+        <p:spPr bwMode="auto">
+          <a:xfrm>
+            <a:off x="5962650" y="519112"/>
+            <a:ext cx="2880277" cy="2414588"/>
+          </a:xfrm>
+          <a:prstGeom prst="rect">
+            <a:avLst/>
+          </a:prstGeom>
+          <a:ln/>
+        </p:spPr>
+        <p:style>
+          <a:lnRef idx="1">
+            <a:schemeClr val="accent5"/>
+          </a:lnRef>
+          <a:fillRef idx="2">
+            <a:schemeClr val="accent5"/>
+          </a:fillRef>
+          <a:effectRef idx="1">
+            <a:schemeClr val="accent5"/>
+          </a:effectRef>
+          <a:fontRef idx="minor">
+            <a:schemeClr val="dk1"/>
+          </a:fontRef>
+        </p:style>
+      </p:pic>
+      <p:pic>
+        <p:nvPicPr>
+          <p:cNvPr id="27" name="Picture 3"/>
+          <p:cNvPicPr>
+            <a:picLocks noChangeAspect="1" noChangeArrowheads="1"/>
+          </p:cNvPicPr>
+          <p:nvPr/>
+        </p:nvPicPr>
+        <p:blipFill>
+          <a:blip r:embed="rId5" cstate="print">
+            <a:extLst>
+              <a:ext uri="{28A0092B-C50C-407E-A947-70E740481C1C}">
+                <a14:useLocalDpi xmlns:a14="http://schemas.microsoft.com/office/drawing/2010/main" val="0"/>
+              </a:ext>
+            </a:extLst>
+          </a:blip>
+          <a:srcRect/>
+          <a:stretch>
+            <a:fillRect/>
+          </a:stretch>
+        </p:blipFill>
+        <p:spPr bwMode="auto">
+          <a:xfrm>
+            <a:off x="6752514" y="1976288"/>
+            <a:ext cx="2090413" cy="1483519"/>
+          </a:xfrm>
+          <a:prstGeom prst="rect">
+            <a:avLst/>
+          </a:prstGeom>
+          <a:ln/>
+        </p:spPr>
+        <p:style>
+          <a:lnRef idx="1">
+            <a:schemeClr val="accent5"/>
+          </a:lnRef>
+          <a:fillRef idx="2">
+            <a:schemeClr val="accent5"/>
+          </a:fillRef>
+          <a:effectRef idx="1">
+            <a:schemeClr val="accent5"/>
+          </a:effectRef>
+          <a:fontRef idx="minor">
+            <a:schemeClr val="dk1"/>
+          </a:fontRef>
+        </p:style>
+      </p:pic>
+      <p:cxnSp>
+        <p:nvCxnSpPr>
+          <p:cNvPr id="28" name="Straight Arrow Connector 27"/>
+          <p:cNvCxnSpPr/>
+          <p:nvPr/>
+        </p:nvCxnSpPr>
+        <p:spPr>
+          <a:xfrm>
+            <a:off x="6894356" y="1458597"/>
+            <a:ext cx="685800" cy="677328"/>
+          </a:xfrm>
+          <a:prstGeom prst="straightConnector1">
+            <a:avLst/>
+          </a:prstGeom>
+          <a:ln>
+            <a:tailEnd type="arrow"/>
+          </a:ln>
+        </p:spPr>
+        <p:style>
+          <a:lnRef idx="1">
+            <a:schemeClr val="accent2"/>
+          </a:lnRef>
+          <a:fillRef idx="0">
+            <a:schemeClr val="accent2"/>
+          </a:fillRef>
+          <a:effectRef idx="0">
+            <a:schemeClr val="accent2"/>
+          </a:effectRef>
+          <a:fontRef idx="minor">
+            <a:schemeClr val="tx1"/>
+          </a:fontRef>
+        </p:style>
+      </p:cxnSp>
     </p:spTree>
     <p:extLst>
       <p:ext uri="{BB962C8B-B14F-4D97-AF65-F5344CB8AC3E}">
@@ -6065,9 +6364,52 @@
           </a:fontRef>
         </p:style>
       </p:pic>
+      <p:sp>
+        <p:nvSpPr>
+          <p:cNvPr id="8" name="Rectangle 7"/>
+          <p:cNvSpPr/>
+          <p:nvPr/>
+        </p:nvSpPr>
+        <p:spPr>
+          <a:xfrm>
+            <a:off x="2590800" y="27801"/>
+            <a:ext cx="4495800" cy="276999"/>
+          </a:xfrm>
+          <a:prstGeom prst="rect">
+            <a:avLst/>
+          </a:prstGeom>
+        </p:spPr>
+        <p:style>
+          <a:lnRef idx="1">
+            <a:schemeClr val="accent4"/>
+          </a:lnRef>
+          <a:fillRef idx="3">
+            <a:schemeClr val="accent4"/>
+          </a:fillRef>
+          <a:effectRef idx="2">
+            <a:schemeClr val="accent4"/>
+          </a:effectRef>
+          <a:fontRef idx="minor">
+            <a:schemeClr val="lt1"/>
+          </a:fontRef>
+        </p:style>
+        <p:txBody>
+          <a:bodyPr wrap="square">
+            <a:spAutoFit/>
+          </a:bodyPr>
+          <a:lstStyle/>
+          <a:p>
+            <a:pPr algn="ctr"/>
+            <a:r>
+              <a:rPr lang="en-US" sz="1200" dirty="0"/>
+              <a:t>Constructor Injection with Collection(List) having Dependent Object</a:t>
+            </a:r>
+          </a:p>
+        </p:txBody>
+      </p:sp>
       <p:pic>
         <p:nvPicPr>
-          <p:cNvPr id="6" name="Picture 3"/>
+          <p:cNvPr id="4098" name="Picture 2"/>
           <p:cNvPicPr>
             <a:picLocks noChangeAspect="1" noChangeArrowheads="1"/>
           </p:cNvPicPr>
@@ -6088,8 +6430,8 @@
         </p:blipFill>
         <p:spPr bwMode="auto">
           <a:xfrm>
-            <a:off x="298450" y="3657600"/>
-            <a:ext cx="8616950" cy="1188019"/>
+            <a:off x="317500" y="3524250"/>
+            <a:ext cx="8597900" cy="1259066"/>
           </a:xfrm>
           <a:prstGeom prst="rect">
             <a:avLst/>
@@ -6098,62 +6440,19 @@
         </p:spPr>
         <p:style>
           <a:lnRef idx="1">
-            <a:schemeClr val="accent5"/>
+            <a:schemeClr val="accent4"/>
           </a:lnRef>
           <a:fillRef idx="2">
-            <a:schemeClr val="accent5"/>
+            <a:schemeClr val="accent4"/>
           </a:fillRef>
           <a:effectRef idx="1">
-            <a:schemeClr val="accent5"/>
+            <a:schemeClr val="accent4"/>
           </a:effectRef>
           <a:fontRef idx="minor">
             <a:schemeClr val="dk1"/>
           </a:fontRef>
         </p:style>
       </p:pic>
-      <p:sp>
-        <p:nvSpPr>
-          <p:cNvPr id="8" name="Rectangle 7"/>
-          <p:cNvSpPr/>
-          <p:nvPr/>
-        </p:nvSpPr>
-        <p:spPr>
-          <a:xfrm>
-            <a:off x="2590800" y="27801"/>
-            <a:ext cx="4495800" cy="276999"/>
-          </a:xfrm>
-          <a:prstGeom prst="rect">
-            <a:avLst/>
-          </a:prstGeom>
-        </p:spPr>
-        <p:style>
-          <a:lnRef idx="1">
-            <a:schemeClr val="accent4"/>
-          </a:lnRef>
-          <a:fillRef idx="3">
-            <a:schemeClr val="accent4"/>
-          </a:fillRef>
-          <a:effectRef idx="2">
-            <a:schemeClr val="accent4"/>
-          </a:effectRef>
-          <a:fontRef idx="minor">
-            <a:schemeClr val="lt1"/>
-          </a:fontRef>
-        </p:style>
-        <p:txBody>
-          <a:bodyPr wrap="square">
-            <a:spAutoFit/>
-          </a:bodyPr>
-          <a:lstStyle/>
-          <a:p>
-            <a:pPr algn="ctr"/>
-            <a:r>
-              <a:rPr lang="en-US" sz="1200" dirty="0"/>
-              <a:t>Constructor Injection with Collection(List) having Dependent Object</a:t>
-            </a:r>
-          </a:p>
-        </p:txBody>
-      </p:sp>
     </p:spTree>
     <p:extLst>
       <p:ext uri="{BB962C8B-B14F-4D97-AF65-F5344CB8AC3E}">
